--- a/end to end encryption with SQL 2016.pptx
+++ b/end to end encryption with SQL 2016.pptx
@@ -5,7 +5,7 @@
     <p:sldMasterId id="2147483648" r:id="rId1"/>
   </p:sldMasterIdLst>
   <p:notesMasterIdLst>
-    <p:notesMasterId r:id="rId22"/>
+    <p:notesMasterId r:id="rId26"/>
   </p:notesMasterIdLst>
   <p:sldIdLst>
     <p:sldId id="256" r:id="rId2"/>
@@ -23,11 +23,15 @@
     <p:sldId id="276" r:id="rId14"/>
     <p:sldId id="270" r:id="rId15"/>
     <p:sldId id="266" r:id="rId16"/>
-    <p:sldId id="273" r:id="rId17"/>
-    <p:sldId id="265" r:id="rId18"/>
-    <p:sldId id="267" r:id="rId19"/>
-    <p:sldId id="260" r:id="rId20"/>
-    <p:sldId id="261" r:id="rId21"/>
+    <p:sldId id="279" r:id="rId17"/>
+    <p:sldId id="273" r:id="rId18"/>
+    <p:sldId id="280" r:id="rId19"/>
+    <p:sldId id="265" r:id="rId20"/>
+    <p:sldId id="267" r:id="rId21"/>
+    <p:sldId id="260" r:id="rId22"/>
+    <p:sldId id="261" r:id="rId23"/>
+    <p:sldId id="277" r:id="rId24"/>
+    <p:sldId id="278" r:id="rId25"/>
   </p:sldIdLst>
   <p:sldSz cx="12192000" cy="6858000"/>
   <p:notesSz cx="6858000" cy="9144000"/>
@@ -911,6 +915,288 @@
     <p:extLst>
       <p:ext uri="{BB962C8B-B14F-4D97-AF65-F5344CB8AC3E}">
         <p14:creationId xmlns:p14="http://schemas.microsoft.com/office/powerpoint/2010/main" val="2687178981"/>
+      </p:ext>
+    </p:extLst>
+  </p:cSld>
+  <p:clrMapOvr>
+    <a:masterClrMapping/>
+  </p:clrMapOvr>
+</p:notes>
+</file>
+
+<file path=ppt/notesSlides/notesSlide4.xml><?xml version="1.0" encoding="utf-8"?>
+<p:notes xmlns:a="http://schemas.openxmlformats.org/drawingml/2006/main" xmlns:r="http://schemas.openxmlformats.org/officeDocument/2006/relationships" xmlns:p="http://schemas.openxmlformats.org/presentationml/2006/main">
+  <p:cSld>
+    <p:spTree>
+      <p:nvGrpSpPr>
+        <p:cNvPr id="1" name=""/>
+        <p:cNvGrpSpPr/>
+        <p:nvPr/>
+      </p:nvGrpSpPr>
+      <p:grpSpPr>
+        <a:xfrm>
+          <a:off x="0" y="0"/>
+          <a:ext cx="0" cy="0"/>
+          <a:chOff x="0" y="0"/>
+          <a:chExt cx="0" cy="0"/>
+        </a:xfrm>
+      </p:grpSpPr>
+      <p:sp>
+        <p:nvSpPr>
+          <p:cNvPr id="2" name="Slide Image Placeholder 1"/>
+          <p:cNvSpPr>
+            <a:spLocks noGrp="1" noRot="1" noChangeAspect="1"/>
+          </p:cNvSpPr>
+          <p:nvPr>
+            <p:ph type="sldImg"/>
+          </p:nvPr>
+        </p:nvSpPr>
+        <p:spPr/>
+      </p:sp>
+      <p:sp>
+        <p:nvSpPr>
+          <p:cNvPr id="3" name="Notes Placeholder 2"/>
+          <p:cNvSpPr>
+            <a:spLocks noGrp="1"/>
+          </p:cNvSpPr>
+          <p:nvPr>
+            <p:ph type="body" idx="1"/>
+          </p:nvPr>
+        </p:nvSpPr>
+        <p:spPr/>
+        <p:txBody>
+          <a:bodyPr/>
+          <a:lstStyle/>
+          <a:p>
+            <a:r>
+              <a:rPr lang="en-US" dirty="0" smtClean="0"/>
+              <a:t>Image: </a:t>
+            </a:r>
+          </a:p>
+          <a:p>
+            <a:r>
+              <a:rPr lang="en-US" dirty="0" smtClean="0"/>
+              <a:t>https://blogs.technet.microsoft.com/dataplatforminsider/2016/01/25/use-dynamic-data-masking-to-obfuscate-your-sensitive-data/</a:t>
+            </a:r>
+            <a:endParaRPr lang="en-US" dirty="0"/>
+          </a:p>
+        </p:txBody>
+      </p:sp>
+      <p:sp>
+        <p:nvSpPr>
+          <p:cNvPr id="4" name="Slide Number Placeholder 3"/>
+          <p:cNvSpPr>
+            <a:spLocks noGrp="1"/>
+          </p:cNvSpPr>
+          <p:nvPr>
+            <p:ph type="sldNum" sz="quarter" idx="10"/>
+          </p:nvPr>
+        </p:nvSpPr>
+        <p:spPr/>
+        <p:txBody>
+          <a:bodyPr/>
+          <a:lstStyle/>
+          <a:p>
+            <a:fld id="{482283A2-F39A-4F0A-A468-BFC2D3071D86}" type="slidenum">
+              <a:rPr lang="en-US" smtClean="0"/>
+              <a:t>15</a:t>
+            </a:fld>
+            <a:endParaRPr lang="en-US"/>
+          </a:p>
+        </p:txBody>
+      </p:sp>
+    </p:spTree>
+    <p:extLst>
+      <p:ext uri="{BB962C8B-B14F-4D97-AF65-F5344CB8AC3E}">
+        <p14:creationId xmlns:p14="http://schemas.microsoft.com/office/powerpoint/2010/main" val="61230258"/>
+      </p:ext>
+    </p:extLst>
+  </p:cSld>
+  <p:clrMapOvr>
+    <a:masterClrMapping/>
+  </p:clrMapOvr>
+</p:notes>
+</file>
+
+<file path=ppt/notesSlides/notesSlide5.xml><?xml version="1.0" encoding="utf-8"?>
+<p:notes xmlns:a="http://schemas.openxmlformats.org/drawingml/2006/main" xmlns:r="http://schemas.openxmlformats.org/officeDocument/2006/relationships" xmlns:p="http://schemas.openxmlformats.org/presentationml/2006/main">
+  <p:cSld>
+    <p:spTree>
+      <p:nvGrpSpPr>
+        <p:cNvPr id="1" name=""/>
+        <p:cNvGrpSpPr/>
+        <p:nvPr/>
+      </p:nvGrpSpPr>
+      <p:grpSpPr>
+        <a:xfrm>
+          <a:off x="0" y="0"/>
+          <a:ext cx="0" cy="0"/>
+          <a:chOff x="0" y="0"/>
+          <a:chExt cx="0" cy="0"/>
+        </a:xfrm>
+      </p:grpSpPr>
+      <p:sp>
+        <p:nvSpPr>
+          <p:cNvPr id="2" name="Slide Image Placeholder 1"/>
+          <p:cNvSpPr>
+            <a:spLocks noGrp="1" noRot="1" noChangeAspect="1"/>
+          </p:cNvSpPr>
+          <p:nvPr>
+            <p:ph type="sldImg"/>
+          </p:nvPr>
+        </p:nvSpPr>
+        <p:spPr/>
+      </p:sp>
+      <p:sp>
+        <p:nvSpPr>
+          <p:cNvPr id="3" name="Notes Placeholder 2"/>
+          <p:cNvSpPr>
+            <a:spLocks noGrp="1"/>
+          </p:cNvSpPr>
+          <p:nvPr>
+            <p:ph type="body" idx="1"/>
+          </p:nvPr>
+        </p:nvSpPr>
+        <p:spPr/>
+        <p:txBody>
+          <a:bodyPr/>
+          <a:lstStyle/>
+          <a:p>
+            <a:r>
+              <a:rPr lang="en-US" dirty="0" smtClean="0"/>
+              <a:t>Image: </a:t>
+            </a:r>
+          </a:p>
+          <a:p>
+            <a:r>
+              <a:rPr lang="en-US" dirty="0" smtClean="0"/>
+              <a:t>https://blogs.technet.microsoft.com/dataplatforminsider/2016/01/25/use-dynamic-data-masking-to-obfuscate-your-sensitive-data/</a:t>
+            </a:r>
+            <a:endParaRPr lang="en-US" dirty="0"/>
+          </a:p>
+        </p:txBody>
+      </p:sp>
+      <p:sp>
+        <p:nvSpPr>
+          <p:cNvPr id="4" name="Slide Number Placeholder 3"/>
+          <p:cNvSpPr>
+            <a:spLocks noGrp="1"/>
+          </p:cNvSpPr>
+          <p:nvPr>
+            <p:ph type="sldNum" sz="quarter" idx="10"/>
+          </p:nvPr>
+        </p:nvSpPr>
+        <p:spPr/>
+        <p:txBody>
+          <a:bodyPr/>
+          <a:lstStyle/>
+          <a:p>
+            <a:fld id="{482283A2-F39A-4F0A-A468-BFC2D3071D86}" type="slidenum">
+              <a:rPr lang="en-US" smtClean="0"/>
+              <a:t>16</a:t>
+            </a:fld>
+            <a:endParaRPr lang="en-US"/>
+          </a:p>
+        </p:txBody>
+      </p:sp>
+    </p:spTree>
+    <p:extLst>
+      <p:ext uri="{BB962C8B-B14F-4D97-AF65-F5344CB8AC3E}">
+        <p14:creationId xmlns:p14="http://schemas.microsoft.com/office/powerpoint/2010/main" val="3787633173"/>
+      </p:ext>
+    </p:extLst>
+  </p:cSld>
+  <p:clrMapOvr>
+    <a:masterClrMapping/>
+  </p:clrMapOvr>
+</p:notes>
+</file>
+
+<file path=ppt/notesSlides/notesSlide6.xml><?xml version="1.0" encoding="utf-8"?>
+<p:notes xmlns:a="http://schemas.openxmlformats.org/drawingml/2006/main" xmlns:r="http://schemas.openxmlformats.org/officeDocument/2006/relationships" xmlns:p="http://schemas.openxmlformats.org/presentationml/2006/main">
+  <p:cSld>
+    <p:spTree>
+      <p:nvGrpSpPr>
+        <p:cNvPr id="1" name=""/>
+        <p:cNvGrpSpPr/>
+        <p:nvPr/>
+      </p:nvGrpSpPr>
+      <p:grpSpPr>
+        <a:xfrm>
+          <a:off x="0" y="0"/>
+          <a:ext cx="0" cy="0"/>
+          <a:chOff x="0" y="0"/>
+          <a:chExt cx="0" cy="0"/>
+        </a:xfrm>
+      </p:grpSpPr>
+      <p:sp>
+        <p:nvSpPr>
+          <p:cNvPr id="2" name="Slide Image Placeholder 1"/>
+          <p:cNvSpPr>
+            <a:spLocks noGrp="1" noRot="1" noChangeAspect="1"/>
+          </p:cNvSpPr>
+          <p:nvPr>
+            <p:ph type="sldImg"/>
+          </p:nvPr>
+        </p:nvSpPr>
+        <p:spPr/>
+      </p:sp>
+      <p:sp>
+        <p:nvSpPr>
+          <p:cNvPr id="3" name="Notes Placeholder 2"/>
+          <p:cNvSpPr>
+            <a:spLocks noGrp="1"/>
+          </p:cNvSpPr>
+          <p:nvPr>
+            <p:ph type="body" idx="1"/>
+          </p:nvPr>
+        </p:nvSpPr>
+        <p:spPr/>
+        <p:txBody>
+          <a:bodyPr/>
+          <a:lstStyle/>
+          <a:p>
+            <a:r>
+              <a:rPr lang="en-US" dirty="0" smtClean="0"/>
+              <a:t>Image: </a:t>
+            </a:r>
+          </a:p>
+          <a:p>
+            <a:r>
+              <a:rPr lang="en-US" dirty="0" smtClean="0"/>
+              <a:t>https://blogs.technet.microsoft.com/dataplatforminsider/2016/01/25/use-dynamic-data-masking-to-obfuscate-your-sensitive-data/</a:t>
+            </a:r>
+            <a:endParaRPr lang="en-US" dirty="0"/>
+          </a:p>
+        </p:txBody>
+      </p:sp>
+      <p:sp>
+        <p:nvSpPr>
+          <p:cNvPr id="4" name="Slide Number Placeholder 3"/>
+          <p:cNvSpPr>
+            <a:spLocks noGrp="1"/>
+          </p:cNvSpPr>
+          <p:nvPr>
+            <p:ph type="sldNum" sz="quarter" idx="10"/>
+          </p:nvPr>
+        </p:nvSpPr>
+        <p:spPr/>
+        <p:txBody>
+          <a:bodyPr/>
+          <a:lstStyle/>
+          <a:p>
+            <a:fld id="{482283A2-F39A-4F0A-A468-BFC2D3071D86}" type="slidenum">
+              <a:rPr lang="en-US" smtClean="0"/>
+              <a:t>18</a:t>
+            </a:fld>
+            <a:endParaRPr lang="en-US"/>
+          </a:p>
+        </p:txBody>
+      </p:sp>
+    </p:spTree>
+    <p:extLst>
+      <p:ext uri="{BB962C8B-B14F-4D97-AF65-F5344CB8AC3E}">
+        <p14:creationId xmlns:p14="http://schemas.microsoft.com/office/powerpoint/2010/main" val="1967277770"/>
       </p:ext>
     </p:extLst>
   </p:cSld>
@@ -4048,21 +4334,21 @@
                 <a:gridCol w="919577">
                   <a:extLst>
                     <a:ext uri="{9D8B030D-6E8A-4147-A177-3AD203B41FA5}">
-                      <a16:colId xmlns:a16="http://schemas.microsoft.com/office/drawing/2014/main" xmlns="" val="20000"/>
+                      <a16:colId xmlns="" xmlns:a16="http://schemas.microsoft.com/office/drawing/2014/main" val="20000"/>
                     </a:ext>
                   </a:extLst>
                 </a:gridCol>
                 <a:gridCol w="1509204">
                   <a:extLst>
                     <a:ext uri="{9D8B030D-6E8A-4147-A177-3AD203B41FA5}">
-                      <a16:colId xmlns:a16="http://schemas.microsoft.com/office/drawing/2014/main" xmlns="" val="20001"/>
+                      <a16:colId xmlns="" xmlns:a16="http://schemas.microsoft.com/office/drawing/2014/main" val="20001"/>
                     </a:ext>
                   </a:extLst>
                 </a:gridCol>
                 <a:gridCol w="1695634">
                   <a:extLst>
                     <a:ext uri="{9D8B030D-6E8A-4147-A177-3AD203B41FA5}">
-                      <a16:colId xmlns:a16="http://schemas.microsoft.com/office/drawing/2014/main" xmlns="" val="20002"/>
+                      <a16:colId xmlns="" xmlns:a16="http://schemas.microsoft.com/office/drawing/2014/main" val="20002"/>
                     </a:ext>
                   </a:extLst>
                 </a:gridCol>
@@ -4112,7 +4398,7 @@
                 </a:tc>
                 <a:extLst>
                   <a:ext uri="{0D108BD9-81ED-4DB2-BD59-A6C34878D82A}">
-                    <a16:rowId xmlns:a16="http://schemas.microsoft.com/office/drawing/2014/main" xmlns="" val="10000"/>
+                    <a16:rowId xmlns="" xmlns:a16="http://schemas.microsoft.com/office/drawing/2014/main" val="10000"/>
                   </a:ext>
                 </a:extLst>
               </a:tr>
@@ -4158,7 +4444,7 @@
                 </a:tc>
                 <a:extLst>
                   <a:ext uri="{0D108BD9-81ED-4DB2-BD59-A6C34878D82A}">
-                    <a16:rowId xmlns:a16="http://schemas.microsoft.com/office/drawing/2014/main" xmlns="" val="10001"/>
+                    <a16:rowId xmlns="" xmlns:a16="http://schemas.microsoft.com/office/drawing/2014/main" val="10001"/>
                   </a:ext>
                 </a:extLst>
               </a:tr>
@@ -4204,7 +4490,7 @@
                 </a:tc>
                 <a:extLst>
                   <a:ext uri="{0D108BD9-81ED-4DB2-BD59-A6C34878D82A}">
-                    <a16:rowId xmlns:a16="http://schemas.microsoft.com/office/drawing/2014/main" xmlns="" val="10002"/>
+                    <a16:rowId xmlns="" xmlns:a16="http://schemas.microsoft.com/office/drawing/2014/main" val="10002"/>
                   </a:ext>
                 </a:extLst>
               </a:tr>
@@ -4250,7 +4536,7 @@
                 </a:tc>
                 <a:extLst>
                   <a:ext uri="{0D108BD9-81ED-4DB2-BD59-A6C34878D82A}">
-                    <a16:rowId xmlns:a16="http://schemas.microsoft.com/office/drawing/2014/main" xmlns="" val="10003"/>
+                    <a16:rowId xmlns="" xmlns:a16="http://schemas.microsoft.com/office/drawing/2014/main" val="10003"/>
                   </a:ext>
                 </a:extLst>
               </a:tr>
@@ -4296,7 +4582,7 @@
                 </a:tc>
                 <a:extLst>
                   <a:ext uri="{0D108BD9-81ED-4DB2-BD59-A6C34878D82A}">
-                    <a16:rowId xmlns:a16="http://schemas.microsoft.com/office/drawing/2014/main" xmlns="" val="10004"/>
+                    <a16:rowId xmlns="" xmlns:a16="http://schemas.microsoft.com/office/drawing/2014/main" val="10004"/>
                   </a:ext>
                 </a:extLst>
               </a:tr>
@@ -4342,7 +4628,7 @@
                 </a:tc>
                 <a:extLst>
                   <a:ext uri="{0D108BD9-81ED-4DB2-BD59-A6C34878D82A}">
-                    <a16:rowId xmlns:a16="http://schemas.microsoft.com/office/drawing/2014/main" xmlns="" val="10005"/>
+                    <a16:rowId xmlns="" xmlns:a16="http://schemas.microsoft.com/office/drawing/2014/main" val="10005"/>
                   </a:ext>
                 </a:extLst>
               </a:tr>
@@ -4422,21 +4708,21 @@
                 <a:gridCol w="966420">
                   <a:extLst>
                     <a:ext uri="{9D8B030D-6E8A-4147-A177-3AD203B41FA5}">
-                      <a16:colId xmlns:a16="http://schemas.microsoft.com/office/drawing/2014/main" xmlns="" val="20000"/>
+                      <a16:colId xmlns="" xmlns:a16="http://schemas.microsoft.com/office/drawing/2014/main" val="20000"/>
                     </a:ext>
                   </a:extLst>
                 </a:gridCol>
                 <a:gridCol w="1556061">
                   <a:extLst>
                     <a:ext uri="{9D8B030D-6E8A-4147-A177-3AD203B41FA5}">
-                      <a16:colId xmlns:a16="http://schemas.microsoft.com/office/drawing/2014/main" xmlns="" val="20001"/>
+                      <a16:colId xmlns="" xmlns:a16="http://schemas.microsoft.com/office/drawing/2014/main" val="20001"/>
                     </a:ext>
                   </a:extLst>
                 </a:gridCol>
                 <a:gridCol w="1714013">
                   <a:extLst>
                     <a:ext uri="{9D8B030D-6E8A-4147-A177-3AD203B41FA5}">
-                      <a16:colId xmlns:a16="http://schemas.microsoft.com/office/drawing/2014/main" xmlns="" val="20002"/>
+                      <a16:colId xmlns="" xmlns:a16="http://schemas.microsoft.com/office/drawing/2014/main" val="20002"/>
                     </a:ext>
                   </a:extLst>
                 </a:gridCol>
@@ -4486,7 +4772,7 @@
                 </a:tc>
                 <a:extLst>
                   <a:ext uri="{0D108BD9-81ED-4DB2-BD59-A6C34878D82A}">
-                    <a16:rowId xmlns:a16="http://schemas.microsoft.com/office/drawing/2014/main" xmlns="" val="10000"/>
+                    <a16:rowId xmlns="" xmlns:a16="http://schemas.microsoft.com/office/drawing/2014/main" val="10000"/>
                   </a:ext>
                 </a:extLst>
               </a:tr>
@@ -4532,7 +4818,7 @@
                 </a:tc>
                 <a:extLst>
                   <a:ext uri="{0D108BD9-81ED-4DB2-BD59-A6C34878D82A}">
-                    <a16:rowId xmlns:a16="http://schemas.microsoft.com/office/drawing/2014/main" xmlns="" val="10001"/>
+                    <a16:rowId xmlns="" xmlns:a16="http://schemas.microsoft.com/office/drawing/2014/main" val="10001"/>
                   </a:ext>
                 </a:extLst>
               </a:tr>
@@ -4581,7 +4867,7 @@
                 </a:tc>
                 <a:extLst>
                   <a:ext uri="{0D108BD9-81ED-4DB2-BD59-A6C34878D82A}">
-                    <a16:rowId xmlns:a16="http://schemas.microsoft.com/office/drawing/2014/main" xmlns="" val="10002"/>
+                    <a16:rowId xmlns="" xmlns:a16="http://schemas.microsoft.com/office/drawing/2014/main" val="10002"/>
                   </a:ext>
                 </a:extLst>
               </a:tr>
@@ -4721,21 +5007,21 @@
                 <a:gridCol w="998552">
                   <a:extLst>
                     <a:ext uri="{9D8B030D-6E8A-4147-A177-3AD203B41FA5}">
-                      <a16:colId xmlns:a16="http://schemas.microsoft.com/office/drawing/2014/main" xmlns="" val="20000"/>
+                      <a16:colId xmlns="" xmlns:a16="http://schemas.microsoft.com/office/drawing/2014/main" val="20000"/>
                     </a:ext>
                   </a:extLst>
                 </a:gridCol>
                 <a:gridCol w="1580225">
                   <a:extLst>
                     <a:ext uri="{9D8B030D-6E8A-4147-A177-3AD203B41FA5}">
-                      <a16:colId xmlns:a16="http://schemas.microsoft.com/office/drawing/2014/main" xmlns="" val="20001"/>
+                      <a16:colId xmlns="" xmlns:a16="http://schemas.microsoft.com/office/drawing/2014/main" val="20001"/>
                     </a:ext>
                   </a:extLst>
                 </a:gridCol>
                 <a:gridCol w="1553592">
                   <a:extLst>
                     <a:ext uri="{9D8B030D-6E8A-4147-A177-3AD203B41FA5}">
-                      <a16:colId xmlns:a16="http://schemas.microsoft.com/office/drawing/2014/main" xmlns="" val="20002"/>
+                      <a16:colId xmlns="" xmlns:a16="http://schemas.microsoft.com/office/drawing/2014/main" val="20002"/>
                     </a:ext>
                   </a:extLst>
                 </a:gridCol>
@@ -4785,7 +5071,7 @@
                 </a:tc>
                 <a:extLst>
                   <a:ext uri="{0D108BD9-81ED-4DB2-BD59-A6C34878D82A}">
-                    <a16:rowId xmlns:a16="http://schemas.microsoft.com/office/drawing/2014/main" xmlns="" val="10000"/>
+                    <a16:rowId xmlns="" xmlns:a16="http://schemas.microsoft.com/office/drawing/2014/main" val="10000"/>
                   </a:ext>
                 </a:extLst>
               </a:tr>
@@ -4831,7 +5117,7 @@
                 </a:tc>
                 <a:extLst>
                   <a:ext uri="{0D108BD9-81ED-4DB2-BD59-A6C34878D82A}">
-                    <a16:rowId xmlns:a16="http://schemas.microsoft.com/office/drawing/2014/main" xmlns="" val="10001"/>
+                    <a16:rowId xmlns="" xmlns:a16="http://schemas.microsoft.com/office/drawing/2014/main" val="10001"/>
                   </a:ext>
                 </a:extLst>
               </a:tr>
@@ -4877,7 +5163,7 @@
                 </a:tc>
                 <a:extLst>
                   <a:ext uri="{0D108BD9-81ED-4DB2-BD59-A6C34878D82A}">
-                    <a16:rowId xmlns:a16="http://schemas.microsoft.com/office/drawing/2014/main" xmlns="" val="10004"/>
+                    <a16:rowId xmlns="" xmlns:a16="http://schemas.microsoft.com/office/drawing/2014/main" val="10004"/>
                   </a:ext>
                 </a:extLst>
               </a:tr>
@@ -4926,7 +5212,7 @@
                 </a:tc>
                 <a:extLst>
                   <a:ext uri="{0D108BD9-81ED-4DB2-BD59-A6C34878D82A}">
-                    <a16:rowId xmlns:a16="http://schemas.microsoft.com/office/drawing/2014/main" xmlns="" val="10005"/>
+                    <a16:rowId xmlns="" xmlns:a16="http://schemas.microsoft.com/office/drawing/2014/main" val="10005"/>
                   </a:ext>
                 </a:extLst>
               </a:tr>
@@ -5618,33 +5904,45 @@
           <a:p>
             <a:r>
               <a:rPr lang="en-US" dirty="0"/>
-              <a:t>Dynamic Data Masking </a:t>
-            </a:r>
-          </a:p>
-        </p:txBody>
-      </p:sp>
-      <p:sp>
-        <p:nvSpPr>
-          <p:cNvPr id="3" name="Content Placeholder 2"/>
-          <p:cNvSpPr>
-            <a:spLocks noGrp="1"/>
-          </p:cNvSpPr>
+              <a:t>Dynamic Data </a:t>
+            </a:r>
+            <a:r>
+              <a:rPr lang="en-US" dirty="0" smtClean="0"/>
+              <a:t>Masking (DDM) </a:t>
+            </a:r>
+            <a:endParaRPr lang="en-US" dirty="0"/>
+          </a:p>
+        </p:txBody>
+      </p:sp>
+      <p:pic>
+        <p:nvPicPr>
+          <p:cNvPr id="5" name="Content Placeholder 4"/>
+          <p:cNvPicPr>
+            <a:picLocks noGrp="1" noChangeAspect="1"/>
+          </p:cNvPicPr>
           <p:nvPr>
             <p:ph idx="1"/>
           </p:nvPr>
-        </p:nvSpPr>
-        <p:spPr/>
-        <p:txBody>
-          <a:bodyPr/>
-          <a:lstStyle/>
-          <a:p>
-            <a:r>
-              <a:rPr lang="en-US" dirty="0"/>
-              <a:t>Overview </a:t>
-            </a:r>
-          </a:p>
-        </p:txBody>
-      </p:sp>
+        </p:nvPicPr>
+        <p:blipFill>
+          <a:blip r:embed="rId3">
+            <a:extLst>
+              <a:ext uri="{28A0092B-C50C-407E-A947-70E740481C1C}">
+                <a14:useLocalDpi xmlns:a14="http://schemas.microsoft.com/office/drawing/2010/main" val="0"/>
+              </a:ext>
+            </a:extLst>
+          </a:blip>
+          <a:stretch>
+            <a:fillRect/>
+          </a:stretch>
+        </p:blipFill>
+        <p:spPr>
+          <a:xfrm>
+            <a:off x="3537734" y="2026265"/>
+            <a:ext cx="4885714" cy="2991267"/>
+          </a:xfrm>
+        </p:spPr>
+      </p:pic>
     </p:spTree>
     <p:extLst>
       <p:ext uri="{BB962C8B-B14F-4D97-AF65-F5344CB8AC3E}">
@@ -5677,7 +5975,7 @@
       </p:grpSpPr>
       <p:sp>
         <p:nvSpPr>
-          <p:cNvPr id="4" name="Title 3"/>
+          <p:cNvPr id="2" name="Title 1"/>
           <p:cNvSpPr>
             <a:spLocks noGrp="1"/>
           </p:cNvSpPr>
@@ -5692,37 +5990,55 @@
           <a:p>
             <a:r>
               <a:rPr lang="en-US" dirty="0"/>
-              <a:t>Demo</a:t>
-            </a:r>
-          </a:p>
-        </p:txBody>
-      </p:sp>
-      <p:sp>
-        <p:nvSpPr>
-          <p:cNvPr id="5" name="Text Placeholder 4"/>
-          <p:cNvSpPr>
-            <a:spLocks noGrp="1"/>
-          </p:cNvSpPr>
-          <p:nvPr>
-            <p:ph type="body" idx="1"/>
-          </p:nvPr>
-        </p:nvSpPr>
-        <p:spPr/>
-        <p:txBody>
-          <a:bodyPr/>
-          <a:lstStyle/>
-          <a:p>
-            <a:r>
-              <a:rPr lang="en-US" dirty="0"/>
-              <a:t>Always Encrypted </a:t>
-            </a:r>
+              <a:t>Dynamic Data </a:t>
+            </a:r>
+            <a:r>
+              <a:rPr lang="en-US" dirty="0" smtClean="0"/>
+              <a:t>Masking (DDM) </a:t>
+            </a:r>
+            <a:endParaRPr lang="en-US" dirty="0"/>
+          </a:p>
+        </p:txBody>
+      </p:sp>
+      <p:sp>
+        <p:nvSpPr>
+          <p:cNvPr id="3" name="Content Placeholder 2"/>
+          <p:cNvSpPr>
+            <a:spLocks noGrp="1"/>
+          </p:cNvSpPr>
+          <p:nvPr>
+            <p:ph idx="1"/>
+          </p:nvPr>
+        </p:nvSpPr>
+        <p:spPr/>
+        <p:txBody>
+          <a:bodyPr/>
+          <a:lstStyle/>
+          <a:p>
+            <a:r>
+              <a:rPr lang="en-US" dirty="0" smtClean="0"/>
+              <a:t>No changes to data or storage</a:t>
+            </a:r>
+          </a:p>
+          <a:p>
+            <a:r>
+              <a:rPr lang="en-US" dirty="0" smtClean="0"/>
+              <a:t>DDM defines how data appears when queried.</a:t>
+            </a:r>
+          </a:p>
+          <a:p>
+            <a:r>
+              <a:rPr lang="en-US" dirty="0" smtClean="0"/>
+              <a:t>Does not require changes to application code</a:t>
+            </a:r>
+            <a:endParaRPr lang="en-US" dirty="0"/>
           </a:p>
         </p:txBody>
       </p:sp>
     </p:spTree>
     <p:extLst>
       <p:ext uri="{BB962C8B-B14F-4D97-AF65-F5344CB8AC3E}">
-        <p14:creationId xmlns:p14="http://schemas.microsoft.com/office/powerpoint/2010/main" val="2990823839"/>
+        <p14:creationId xmlns:p14="http://schemas.microsoft.com/office/powerpoint/2010/main" val="2899329802"/>
       </p:ext>
     </p:extLst>
   </p:cSld>
@@ -5751,7 +6067,7 @@
       </p:grpSpPr>
       <p:sp>
         <p:nvSpPr>
-          <p:cNvPr id="2" name="Title 1"/>
+          <p:cNvPr id="4" name="Title 3"/>
           <p:cNvSpPr>
             <a:spLocks noGrp="1"/>
           </p:cNvSpPr>
@@ -5766,19 +6082,19 @@
           <a:p>
             <a:r>
               <a:rPr lang="en-US" dirty="0"/>
-              <a:t>Column Level Encryption </a:t>
-            </a:r>
-          </a:p>
-        </p:txBody>
-      </p:sp>
-      <p:sp>
-        <p:nvSpPr>
-          <p:cNvPr id="3" name="Content Placeholder 2"/>
-          <p:cNvSpPr>
-            <a:spLocks noGrp="1"/>
-          </p:cNvSpPr>
-          <p:nvPr>
-            <p:ph idx="1"/>
+              <a:t>Demo</a:t>
+            </a:r>
+          </a:p>
+        </p:txBody>
+      </p:sp>
+      <p:sp>
+        <p:nvSpPr>
+          <p:cNvPr id="5" name="Text Placeholder 4"/>
+          <p:cNvSpPr>
+            <a:spLocks noGrp="1"/>
+          </p:cNvSpPr>
+          <p:nvPr>
+            <p:ph type="body" idx="1"/>
           </p:nvPr>
         </p:nvSpPr>
         <p:spPr/>
@@ -5788,18 +6104,15 @@
           <a:p>
             <a:r>
               <a:rPr lang="en-US" dirty="0"/>
-              <a:t>Overview</a:t>
-            </a:r>
-          </a:p>
-          <a:p>
-            <a:endParaRPr lang="en-US" dirty="0"/>
+              <a:t>Always Encrypted </a:t>
+            </a:r>
           </a:p>
         </p:txBody>
       </p:sp>
     </p:spTree>
     <p:extLst>
       <p:ext uri="{BB962C8B-B14F-4D97-AF65-F5344CB8AC3E}">
-        <p14:creationId xmlns:p14="http://schemas.microsoft.com/office/powerpoint/2010/main" val="4082207783"/>
+        <p14:creationId xmlns:p14="http://schemas.microsoft.com/office/powerpoint/2010/main" val="2990823839"/>
       </p:ext>
     </p:extLst>
   </p:cSld>
@@ -5843,8 +6156,13 @@
           <a:p>
             <a:r>
               <a:rPr lang="en-US" dirty="0"/>
-              <a:t>Column Level Encryption – Limitations </a:t>
-            </a:r>
+              <a:t>Dynamic Data </a:t>
+            </a:r>
+            <a:r>
+              <a:rPr lang="en-US" dirty="0" smtClean="0"/>
+              <a:t>Masking - Limitations </a:t>
+            </a:r>
+            <a:endParaRPr lang="en-US" dirty="0"/>
           </a:p>
         </p:txBody>
       </p:sp>
@@ -5863,14 +6181,26 @@
           <a:bodyPr/>
           <a:lstStyle/>
           <a:p>
-            <a:endParaRPr lang="en-US"/>
+            <a:r>
+              <a:rPr lang="en-US" dirty="0" smtClean="0"/>
+              <a:t>Does not work with Always Encrypted columns.</a:t>
+            </a:r>
+          </a:p>
+          <a:p>
+            <a:r>
+              <a:rPr lang="en-US" dirty="0" smtClean="0"/>
+              <a:t>UNMASK is by database, not by table or column.</a:t>
+            </a:r>
+          </a:p>
+          <a:p>
+            <a:endParaRPr lang="en-US" dirty="0"/>
           </a:p>
         </p:txBody>
       </p:sp>
     </p:spTree>
     <p:extLst>
       <p:ext uri="{BB962C8B-B14F-4D97-AF65-F5344CB8AC3E}">
-        <p14:creationId xmlns:p14="http://schemas.microsoft.com/office/powerpoint/2010/main" val="1297784369"/>
+        <p14:creationId xmlns:p14="http://schemas.microsoft.com/office/powerpoint/2010/main" val="639806232"/>
       </p:ext>
     </p:extLst>
   </p:cSld>
@@ -5914,7 +6244,7 @@
           <a:p>
             <a:r>
               <a:rPr lang="en-US" dirty="0"/>
-              <a:t>Summary </a:t>
+              <a:t>Column Level Encryption </a:t>
             </a:r>
           </a:p>
         </p:txBody>
@@ -5936,7 +6266,7 @@
           <a:p>
             <a:r>
               <a:rPr lang="en-US" dirty="0"/>
-              <a:t>SQL Server 2016 includes a variety of encryption functions for server and client</a:t>
+              <a:t>Overview</a:t>
             </a:r>
           </a:p>
           <a:p>
@@ -5947,7 +6277,7 @@
     </p:spTree>
     <p:extLst>
       <p:ext uri="{BB962C8B-B14F-4D97-AF65-F5344CB8AC3E}">
-        <p14:creationId xmlns:p14="http://schemas.microsoft.com/office/powerpoint/2010/main" val="124873940"/>
+        <p14:creationId xmlns:p14="http://schemas.microsoft.com/office/powerpoint/2010/main" val="4082207783"/>
       </p:ext>
     </p:extLst>
   </p:cSld>
@@ -6077,6 +6407,154 @@
 </file>
 
 <file path=ppt/slides/slide20.xml><?xml version="1.0" encoding="utf-8"?>
+<p:sld xmlns:a="http://schemas.openxmlformats.org/drawingml/2006/main" xmlns:r="http://schemas.openxmlformats.org/officeDocument/2006/relationships" xmlns:p="http://schemas.openxmlformats.org/presentationml/2006/main">
+  <p:cSld>
+    <p:spTree>
+      <p:nvGrpSpPr>
+        <p:cNvPr id="1" name=""/>
+        <p:cNvGrpSpPr/>
+        <p:nvPr/>
+      </p:nvGrpSpPr>
+      <p:grpSpPr>
+        <a:xfrm>
+          <a:off x="0" y="0"/>
+          <a:ext cx="0" cy="0"/>
+          <a:chOff x="0" y="0"/>
+          <a:chExt cx="0" cy="0"/>
+        </a:xfrm>
+      </p:grpSpPr>
+      <p:sp>
+        <p:nvSpPr>
+          <p:cNvPr id="2" name="Title 1"/>
+          <p:cNvSpPr>
+            <a:spLocks noGrp="1"/>
+          </p:cNvSpPr>
+          <p:nvPr>
+            <p:ph type="title"/>
+          </p:nvPr>
+        </p:nvSpPr>
+        <p:spPr/>
+        <p:txBody>
+          <a:bodyPr/>
+          <a:lstStyle/>
+          <a:p>
+            <a:r>
+              <a:rPr lang="en-US" dirty="0"/>
+              <a:t>Column Level Encryption – Limitations </a:t>
+            </a:r>
+          </a:p>
+        </p:txBody>
+      </p:sp>
+      <p:sp>
+        <p:nvSpPr>
+          <p:cNvPr id="3" name="Content Placeholder 2"/>
+          <p:cNvSpPr>
+            <a:spLocks noGrp="1"/>
+          </p:cNvSpPr>
+          <p:nvPr>
+            <p:ph idx="1"/>
+          </p:nvPr>
+        </p:nvSpPr>
+        <p:spPr/>
+        <p:txBody>
+          <a:bodyPr/>
+          <a:lstStyle/>
+          <a:p>
+            <a:endParaRPr lang="en-US"/>
+          </a:p>
+        </p:txBody>
+      </p:sp>
+    </p:spTree>
+    <p:extLst>
+      <p:ext uri="{BB962C8B-B14F-4D97-AF65-F5344CB8AC3E}">
+        <p14:creationId xmlns:p14="http://schemas.microsoft.com/office/powerpoint/2010/main" val="1297784369"/>
+      </p:ext>
+    </p:extLst>
+  </p:cSld>
+  <p:clrMapOvr>
+    <a:masterClrMapping/>
+  </p:clrMapOvr>
+</p:sld>
+</file>
+
+<file path=ppt/slides/slide21.xml><?xml version="1.0" encoding="utf-8"?>
+<p:sld xmlns:a="http://schemas.openxmlformats.org/drawingml/2006/main" xmlns:r="http://schemas.openxmlformats.org/officeDocument/2006/relationships" xmlns:p="http://schemas.openxmlformats.org/presentationml/2006/main">
+  <p:cSld>
+    <p:spTree>
+      <p:nvGrpSpPr>
+        <p:cNvPr id="1" name=""/>
+        <p:cNvGrpSpPr/>
+        <p:nvPr/>
+      </p:nvGrpSpPr>
+      <p:grpSpPr>
+        <a:xfrm>
+          <a:off x="0" y="0"/>
+          <a:ext cx="0" cy="0"/>
+          <a:chOff x="0" y="0"/>
+          <a:chExt cx="0" cy="0"/>
+        </a:xfrm>
+      </p:grpSpPr>
+      <p:sp>
+        <p:nvSpPr>
+          <p:cNvPr id="2" name="Title 1"/>
+          <p:cNvSpPr>
+            <a:spLocks noGrp="1"/>
+          </p:cNvSpPr>
+          <p:nvPr>
+            <p:ph type="title"/>
+          </p:nvPr>
+        </p:nvSpPr>
+        <p:spPr/>
+        <p:txBody>
+          <a:bodyPr/>
+          <a:lstStyle/>
+          <a:p>
+            <a:r>
+              <a:rPr lang="en-US" dirty="0"/>
+              <a:t>Summary </a:t>
+            </a:r>
+          </a:p>
+        </p:txBody>
+      </p:sp>
+      <p:sp>
+        <p:nvSpPr>
+          <p:cNvPr id="3" name="Content Placeholder 2"/>
+          <p:cNvSpPr>
+            <a:spLocks noGrp="1"/>
+          </p:cNvSpPr>
+          <p:nvPr>
+            <p:ph idx="1"/>
+          </p:nvPr>
+        </p:nvSpPr>
+        <p:spPr/>
+        <p:txBody>
+          <a:bodyPr/>
+          <a:lstStyle/>
+          <a:p>
+            <a:r>
+              <a:rPr lang="en-US" dirty="0"/>
+              <a:t>SQL Server 2016 includes a variety of encryption functions for server and client</a:t>
+            </a:r>
+          </a:p>
+          <a:p>
+            <a:endParaRPr lang="en-US" dirty="0"/>
+          </a:p>
+        </p:txBody>
+      </p:sp>
+    </p:spTree>
+    <p:extLst>
+      <p:ext uri="{BB962C8B-B14F-4D97-AF65-F5344CB8AC3E}">
+        <p14:creationId xmlns:p14="http://schemas.microsoft.com/office/powerpoint/2010/main" val="124873940"/>
+      </p:ext>
+    </p:extLst>
+  </p:cSld>
+  <p:clrMapOvr>
+    <a:masterClrMapping/>
+  </p:clrMapOvr>
+</p:sld>
+</file>
+
+<file path=ppt/slides/slide22.xml><?xml version="1.0" encoding="utf-8"?>
 <p:sld xmlns:a="http://schemas.openxmlformats.org/drawingml/2006/main" xmlns:r="http://schemas.openxmlformats.org/officeDocument/2006/relationships" xmlns:p="http://schemas.openxmlformats.org/presentationml/2006/main">
   <p:cSld>
     <p:spTree>
@@ -6631,6 +7109,234 @@
     <p:extLst>
       <p:ext uri="{BB962C8B-B14F-4D97-AF65-F5344CB8AC3E}">
         <p14:creationId xmlns:p14="http://schemas.microsoft.com/office/powerpoint/2010/main" val="774245129"/>
+      </p:ext>
+    </p:extLst>
+  </p:cSld>
+  <p:clrMapOvr>
+    <a:masterClrMapping/>
+  </p:clrMapOvr>
+</p:sld>
+</file>
+
+<file path=ppt/slides/slide23.xml><?xml version="1.0" encoding="utf-8"?>
+<p:sld xmlns:a="http://schemas.openxmlformats.org/drawingml/2006/main" xmlns:r="http://schemas.openxmlformats.org/officeDocument/2006/relationships" xmlns:p="http://schemas.openxmlformats.org/presentationml/2006/main">
+  <p:cSld>
+    <p:spTree>
+      <p:nvGrpSpPr>
+        <p:cNvPr id="1" name=""/>
+        <p:cNvGrpSpPr/>
+        <p:nvPr/>
+      </p:nvGrpSpPr>
+      <p:grpSpPr>
+        <a:xfrm>
+          <a:off x="0" y="0"/>
+          <a:ext cx="0" cy="0"/>
+          <a:chOff x="0" y="0"/>
+          <a:chExt cx="0" cy="0"/>
+        </a:xfrm>
+      </p:grpSpPr>
+      <p:sp>
+        <p:nvSpPr>
+          <p:cNvPr id="2" name="Title 1"/>
+          <p:cNvSpPr>
+            <a:spLocks noGrp="1"/>
+          </p:cNvSpPr>
+          <p:nvPr>
+            <p:ph type="title"/>
+          </p:nvPr>
+        </p:nvSpPr>
+        <p:spPr/>
+        <p:txBody>
+          <a:bodyPr/>
+          <a:lstStyle/>
+          <a:p>
+            <a:r>
+              <a:rPr lang="en-US" dirty="0" smtClean="0"/>
+              <a:t>References</a:t>
+            </a:r>
+            <a:endParaRPr lang="en-US" dirty="0"/>
+          </a:p>
+        </p:txBody>
+      </p:sp>
+      <p:sp>
+        <p:nvSpPr>
+          <p:cNvPr id="3" name="Content Placeholder 2"/>
+          <p:cNvSpPr>
+            <a:spLocks noGrp="1"/>
+          </p:cNvSpPr>
+          <p:nvPr>
+            <p:ph idx="1"/>
+          </p:nvPr>
+        </p:nvSpPr>
+        <p:spPr/>
+        <p:txBody>
+          <a:bodyPr/>
+          <a:lstStyle/>
+          <a:p>
+            <a:r>
+              <a:rPr lang="en-US" dirty="0" smtClean="0"/>
+              <a:t>DDM</a:t>
+            </a:r>
+          </a:p>
+          <a:p>
+            <a:pPr lvl="1"/>
+            <a:r>
+              <a:rPr lang="en-US" dirty="0" smtClean="0">
+                <a:hlinkClick r:id="rId2"/>
+              </a:rPr>
+              <a:t>Dynamic </a:t>
+            </a:r>
+            <a:r>
+              <a:rPr lang="en-US" dirty="0">
+                <a:hlinkClick r:id="rId2"/>
+              </a:rPr>
+              <a:t>Data Masking </a:t>
+            </a:r>
+            <a:r>
+              <a:rPr lang="en-US" dirty="0" smtClean="0">
+                <a:hlinkClick r:id="rId2"/>
+              </a:rPr>
+              <a:t>(BOL</a:t>
+            </a:r>
+            <a:r>
+              <a:rPr lang="en-US" dirty="0">
+                <a:hlinkClick r:id="rId2"/>
+              </a:rPr>
+              <a:t>) - https://msdn.microsoft.com/en-us/library/mt130841.aspx?f=255&amp;MSPPError=-2147217396</a:t>
+            </a:r>
+          </a:p>
+          <a:p>
+            <a:pPr lvl="1"/>
+            <a:r>
+              <a:rPr lang="en-US" dirty="0" smtClean="0">
+                <a:hlinkClick r:id="rId2"/>
+              </a:rPr>
+              <a:t>https</a:t>
+            </a:r>
+            <a:r>
+              <a:rPr lang="en-US" dirty="0">
+                <a:hlinkClick r:id="rId2"/>
+              </a:rPr>
+              <a:t>://blogs.technet.microsoft.com/dataplatforminsider/2016/01/25/use-dynamic-data-masking-to-obfuscate-your-sensitive-data</a:t>
+            </a:r>
+            <a:r>
+              <a:rPr lang="en-US" dirty="0" smtClean="0">
+                <a:hlinkClick r:id="rId2"/>
+              </a:rPr>
+              <a:t>/</a:t>
+            </a:r>
+            <a:endParaRPr lang="en-US" dirty="0" smtClean="0"/>
+          </a:p>
+          <a:p>
+            <a:pPr lvl="1"/>
+            <a:r>
+              <a:rPr lang="en-US" dirty="0"/>
+              <a:t>A Very Quick Post on SQL Server 2016 Dynamic Data </a:t>
+            </a:r>
+            <a:r>
+              <a:rPr lang="en-US" dirty="0"/>
+              <a:t>Masking - </a:t>
+            </a:r>
+            <a:r>
+              <a:rPr lang="en-US" dirty="0">
+                <a:hlinkClick r:id="rId3"/>
+              </a:rPr>
+              <a:t>https://www.simple-talk.com/blogs/2015/06/10/a-very-quick-post-on-sql-server-2016-dynamic-data-masking</a:t>
+            </a:r>
+            <a:r>
+              <a:rPr lang="en-US" dirty="0" smtClean="0">
+                <a:hlinkClick r:id="rId3"/>
+              </a:rPr>
+              <a:t>/</a:t>
+            </a:r>
+            <a:endParaRPr lang="en-US" dirty="0" smtClean="0"/>
+          </a:p>
+          <a:p>
+            <a:pPr lvl="1"/>
+            <a:endParaRPr lang="en-US" dirty="0"/>
+          </a:p>
+          <a:p>
+            <a:pPr lvl="1"/>
+            <a:endParaRPr lang="en-US" dirty="0" smtClean="0"/>
+          </a:p>
+          <a:p>
+            <a:pPr lvl="1"/>
+            <a:endParaRPr lang="en-US" dirty="0"/>
+          </a:p>
+        </p:txBody>
+      </p:sp>
+    </p:spTree>
+    <p:extLst>
+      <p:ext uri="{BB962C8B-B14F-4D97-AF65-F5344CB8AC3E}">
+        <p14:creationId xmlns:p14="http://schemas.microsoft.com/office/powerpoint/2010/main" val="1571852807"/>
+      </p:ext>
+    </p:extLst>
+  </p:cSld>
+  <p:clrMapOvr>
+    <a:masterClrMapping/>
+  </p:clrMapOvr>
+</p:sld>
+</file>
+
+<file path=ppt/slides/slide24.xml><?xml version="1.0" encoding="utf-8"?>
+<p:sld xmlns:a="http://schemas.openxmlformats.org/drawingml/2006/main" xmlns:r="http://schemas.openxmlformats.org/officeDocument/2006/relationships" xmlns:p="http://schemas.openxmlformats.org/presentationml/2006/main">
+  <p:cSld>
+    <p:spTree>
+      <p:nvGrpSpPr>
+        <p:cNvPr id="1" name=""/>
+        <p:cNvGrpSpPr/>
+        <p:nvPr/>
+      </p:nvGrpSpPr>
+      <p:grpSpPr>
+        <a:xfrm>
+          <a:off x="0" y="0"/>
+          <a:ext cx="0" cy="0"/>
+          <a:chOff x="0" y="0"/>
+          <a:chExt cx="0" cy="0"/>
+        </a:xfrm>
+      </p:grpSpPr>
+      <p:sp>
+        <p:nvSpPr>
+          <p:cNvPr id="2" name="Title 1"/>
+          <p:cNvSpPr>
+            <a:spLocks noGrp="1"/>
+          </p:cNvSpPr>
+          <p:nvPr>
+            <p:ph type="title"/>
+          </p:nvPr>
+        </p:nvSpPr>
+        <p:spPr/>
+        <p:txBody>
+          <a:bodyPr/>
+          <a:lstStyle/>
+          <a:p>
+            <a:endParaRPr lang="en-US" dirty="0"/>
+          </a:p>
+        </p:txBody>
+      </p:sp>
+      <p:sp>
+        <p:nvSpPr>
+          <p:cNvPr id="3" name="Content Placeholder 2"/>
+          <p:cNvSpPr>
+            <a:spLocks noGrp="1"/>
+          </p:cNvSpPr>
+          <p:nvPr>
+            <p:ph idx="1"/>
+          </p:nvPr>
+        </p:nvSpPr>
+        <p:spPr/>
+        <p:txBody>
+          <a:bodyPr/>
+          <a:lstStyle/>
+          <a:p>
+            <a:endParaRPr lang="en-US"/>
+          </a:p>
+        </p:txBody>
+      </p:sp>
+    </p:spTree>
+    <p:extLst>
+      <p:ext uri="{BB962C8B-B14F-4D97-AF65-F5344CB8AC3E}">
+        <p14:creationId xmlns:p14="http://schemas.microsoft.com/office/powerpoint/2010/main" val="3838036042"/>
       </p:ext>
     </p:extLst>
   </p:cSld>
